--- a/docs/slides/lesson_05.pptx
+++ b/docs/slides/lesson_05.pptx
@@ -224,7 +224,7 @@
           <a:p>
             <a:fld id="{9B5B52BA-3295-0343-9E28-A260A811DD10}" type="datetimeFigureOut">
               <a:rPr lang="en-US" smtClean="0"/>
-              <a:t>11-Jan-19</a:t>
+              <a:t>2/12/19</a:t>
             </a:fld>
             <a:endParaRPr lang="en-US"/>
           </a:p>
@@ -288,38 +288,37 @@
           <a:p>
             <a:pPr lvl="0"/>
             <a:r>
-              <a:rPr lang="en-US" smtClean="0"/>
+              <a:rPr lang="en-US"/>
               <a:t>Click to edit Master text styles</a:t>
             </a:r>
           </a:p>
           <a:p>
             <a:pPr lvl="1"/>
             <a:r>
-              <a:rPr lang="en-US" smtClean="0"/>
+              <a:rPr lang="en-US"/>
               <a:t>Second level</a:t>
             </a:r>
           </a:p>
           <a:p>
             <a:pPr lvl="2"/>
             <a:r>
-              <a:rPr lang="en-US" smtClean="0"/>
+              <a:rPr lang="en-US"/>
               <a:t>Third level</a:t>
             </a:r>
           </a:p>
           <a:p>
             <a:pPr lvl="3"/>
             <a:r>
-              <a:rPr lang="en-US" smtClean="0"/>
+              <a:rPr lang="en-US"/>
               <a:t>Fourth level</a:t>
             </a:r>
           </a:p>
           <a:p>
             <a:pPr lvl="4"/>
             <a:r>
-              <a:rPr lang="en-US" smtClean="0"/>
+              <a:rPr lang="en-US"/>
               <a:t>Fifth level</a:t>
             </a:r>
-            <a:endParaRPr lang="en-US"/>
           </a:p>
         </p:txBody>
       </p:sp>
@@ -534,10 +533,9 @@
           </a:lstStyle>
           <a:p>
             <a:r>
-              <a:rPr lang="en-US" dirty="0" smtClean="0"/>
+              <a:rPr lang="en-US" dirty="0"/>
               <a:t>Click to edit Master title style</a:t>
             </a:r>
-            <a:endParaRPr lang="en-US" dirty="0"/>
           </a:p>
         </p:txBody>
       </p:sp>
@@ -599,10 +597,9 @@
           </a:lstStyle>
           <a:p>
             <a:r>
-              <a:rPr lang="en-US" dirty="0" smtClean="0"/>
+              <a:rPr lang="en-US" dirty="0"/>
               <a:t>Click to edit Master subtitle style</a:t>
             </a:r>
-            <a:endParaRPr lang="en-US" dirty="0"/>
           </a:p>
         </p:txBody>
       </p:sp>
@@ -623,7 +620,7 @@
           <a:p>
             <a:fld id="{04F1D4A2-813C-F741-B481-C92B3A596030}" type="datetimeFigureOut">
               <a:rPr lang="en-US" smtClean="0"/>
-              <a:t>11-Jan-19</a:t>
+              <a:t>2/12/19</a:t>
             </a:fld>
             <a:endParaRPr lang="en-US"/>
           </a:p>
@@ -717,10 +714,9 @@
           <a:lstStyle/>
           <a:p>
             <a:r>
-              <a:rPr lang="en-US" smtClean="0"/>
+              <a:rPr lang="en-US"/>
               <a:t>Click to edit Master title style</a:t>
             </a:r>
-            <a:endParaRPr lang="en-US"/>
           </a:p>
         </p:txBody>
       </p:sp>
@@ -741,38 +737,37 @@
           <a:p>
             <a:pPr lvl="0"/>
             <a:r>
-              <a:rPr lang="en-US" smtClean="0"/>
+              <a:rPr lang="en-US"/>
               <a:t>Click to edit Master text styles</a:t>
             </a:r>
           </a:p>
           <a:p>
             <a:pPr lvl="1"/>
             <a:r>
-              <a:rPr lang="en-US" smtClean="0"/>
+              <a:rPr lang="en-US"/>
               <a:t>Second level</a:t>
             </a:r>
           </a:p>
           <a:p>
             <a:pPr lvl="2"/>
             <a:r>
-              <a:rPr lang="en-US" smtClean="0"/>
+              <a:rPr lang="en-US"/>
               <a:t>Third level</a:t>
             </a:r>
           </a:p>
           <a:p>
             <a:pPr lvl="3"/>
             <a:r>
-              <a:rPr lang="en-US" smtClean="0"/>
+              <a:rPr lang="en-US"/>
               <a:t>Fourth level</a:t>
             </a:r>
           </a:p>
           <a:p>
             <a:pPr lvl="4"/>
             <a:r>
-              <a:rPr lang="en-US" smtClean="0"/>
+              <a:rPr lang="en-US"/>
               <a:t>Fifth level</a:t>
             </a:r>
-            <a:endParaRPr lang="en-US"/>
           </a:p>
         </p:txBody>
       </p:sp>
@@ -793,7 +788,7 @@
           <a:p>
             <a:fld id="{04F1D4A2-813C-F741-B481-C92B3A596030}" type="datetimeFigureOut">
               <a:rPr lang="en-US" smtClean="0"/>
-              <a:t>11-Jan-19</a:t>
+              <a:t>2/12/19</a:t>
             </a:fld>
             <a:endParaRPr lang="en-US"/>
           </a:p>
@@ -892,10 +887,9 @@
           <a:lstStyle/>
           <a:p>
             <a:r>
-              <a:rPr lang="en-US" smtClean="0"/>
+              <a:rPr lang="en-US"/>
               <a:t>Click to edit Master title style</a:t>
             </a:r>
-            <a:endParaRPr lang="en-US"/>
           </a:p>
         </p:txBody>
       </p:sp>
@@ -921,38 +915,37 @@
           <a:p>
             <a:pPr lvl="0"/>
             <a:r>
-              <a:rPr lang="en-US" smtClean="0"/>
+              <a:rPr lang="en-US"/>
               <a:t>Click to edit Master text styles</a:t>
             </a:r>
           </a:p>
           <a:p>
             <a:pPr lvl="1"/>
             <a:r>
-              <a:rPr lang="en-US" smtClean="0"/>
+              <a:rPr lang="en-US"/>
               <a:t>Second level</a:t>
             </a:r>
           </a:p>
           <a:p>
             <a:pPr lvl="2"/>
             <a:r>
-              <a:rPr lang="en-US" smtClean="0"/>
+              <a:rPr lang="en-US"/>
               <a:t>Third level</a:t>
             </a:r>
           </a:p>
           <a:p>
             <a:pPr lvl="3"/>
             <a:r>
-              <a:rPr lang="en-US" smtClean="0"/>
+              <a:rPr lang="en-US"/>
               <a:t>Fourth level</a:t>
             </a:r>
           </a:p>
           <a:p>
             <a:pPr lvl="4"/>
             <a:r>
-              <a:rPr lang="en-US" smtClean="0"/>
+              <a:rPr lang="en-US"/>
               <a:t>Fifth level</a:t>
             </a:r>
-            <a:endParaRPr lang="en-US"/>
           </a:p>
         </p:txBody>
       </p:sp>
@@ -973,7 +966,7 @@
           <a:p>
             <a:fld id="{04F1D4A2-813C-F741-B481-C92B3A596030}" type="datetimeFigureOut">
               <a:rPr lang="en-US" smtClean="0"/>
-              <a:t>11-Jan-19</a:t>
+              <a:t>2/12/19</a:t>
             </a:fld>
             <a:endParaRPr lang="en-US"/>
           </a:p>
@@ -1071,10 +1064,9 @@
           </a:lstStyle>
           <a:p>
             <a:r>
-              <a:rPr lang="en-US" dirty="0" smtClean="0"/>
+              <a:rPr lang="en-US" dirty="0"/>
               <a:t>Click to edit Master title style</a:t>
             </a:r>
-            <a:endParaRPr lang="en-US" dirty="0"/>
           </a:p>
         </p:txBody>
       </p:sp>
@@ -1102,38 +1094,37 @@
           <a:p>
             <a:pPr lvl="0"/>
             <a:r>
-              <a:rPr lang="en-US" dirty="0" smtClean="0"/>
+              <a:rPr lang="en-US" dirty="0"/>
               <a:t>Click to edit Master text styles</a:t>
             </a:r>
           </a:p>
           <a:p>
             <a:pPr lvl="1"/>
             <a:r>
-              <a:rPr lang="en-US" dirty="0" smtClean="0"/>
+              <a:rPr lang="en-US" dirty="0"/>
               <a:t>Second level</a:t>
             </a:r>
           </a:p>
           <a:p>
             <a:pPr lvl="2"/>
             <a:r>
-              <a:rPr lang="en-US" dirty="0" smtClean="0"/>
+              <a:rPr lang="en-US" dirty="0"/>
               <a:t>Third level</a:t>
             </a:r>
           </a:p>
           <a:p>
             <a:pPr lvl="3"/>
             <a:r>
-              <a:rPr lang="en-US" dirty="0" smtClean="0"/>
+              <a:rPr lang="en-US" dirty="0"/>
               <a:t>Fourth level</a:t>
             </a:r>
           </a:p>
           <a:p>
             <a:pPr lvl="4"/>
             <a:r>
-              <a:rPr lang="en-US" dirty="0" smtClean="0"/>
+              <a:rPr lang="en-US" dirty="0"/>
               <a:t>Fifth level</a:t>
             </a:r>
-            <a:endParaRPr lang="en-US" dirty="0"/>
           </a:p>
         </p:txBody>
       </p:sp>
@@ -1154,7 +1145,7 @@
           <a:p>
             <a:fld id="{04F1D4A2-813C-F741-B481-C92B3A596030}" type="datetimeFigureOut">
               <a:rPr lang="en-US" smtClean="0"/>
-              <a:t>11-Jan-19</a:t>
+              <a:t>2/12/19</a:t>
             </a:fld>
             <a:endParaRPr lang="en-US"/>
           </a:p>
@@ -1257,10 +1248,9 @@
           </a:lstStyle>
           <a:p>
             <a:r>
-              <a:rPr lang="en-US" smtClean="0"/>
+              <a:rPr lang="en-US"/>
               <a:t>Click to edit Master title style</a:t>
             </a:r>
-            <a:endParaRPr lang="en-US"/>
           </a:p>
         </p:txBody>
       </p:sp>
@@ -1377,7 +1367,7 @@
           <a:p>
             <a:pPr lvl="0"/>
             <a:r>
-              <a:rPr lang="en-US" smtClean="0"/>
+              <a:rPr lang="en-US"/>
               <a:t>Click to edit Master text styles</a:t>
             </a:r>
           </a:p>
@@ -1400,7 +1390,7 @@
           <a:p>
             <a:fld id="{04F1D4A2-813C-F741-B481-C92B3A596030}" type="datetimeFigureOut">
               <a:rPr lang="en-US" smtClean="0"/>
-              <a:t>11-Jan-19</a:t>
+              <a:t>2/12/19</a:t>
             </a:fld>
             <a:endParaRPr lang="en-US"/>
           </a:p>
@@ -1494,10 +1484,9 @@
           <a:lstStyle/>
           <a:p>
             <a:r>
-              <a:rPr lang="en-US" smtClean="0"/>
+              <a:rPr lang="en-US"/>
               <a:t>Click to edit Master title style</a:t>
             </a:r>
-            <a:endParaRPr lang="en-US"/>
           </a:p>
         </p:txBody>
       </p:sp>
@@ -1523,38 +1512,37 @@
           <a:p>
             <a:pPr lvl="0"/>
             <a:r>
-              <a:rPr lang="en-US" smtClean="0"/>
+              <a:rPr lang="en-US"/>
               <a:t>Click to edit Master text styles</a:t>
             </a:r>
           </a:p>
           <a:p>
             <a:pPr lvl="1"/>
             <a:r>
-              <a:rPr lang="en-US" smtClean="0"/>
+              <a:rPr lang="en-US"/>
               <a:t>Second level</a:t>
             </a:r>
           </a:p>
           <a:p>
             <a:pPr lvl="2"/>
             <a:r>
-              <a:rPr lang="en-US" smtClean="0"/>
+              <a:rPr lang="en-US"/>
               <a:t>Third level</a:t>
             </a:r>
           </a:p>
           <a:p>
             <a:pPr lvl="3"/>
             <a:r>
-              <a:rPr lang="en-US" smtClean="0"/>
+              <a:rPr lang="en-US"/>
               <a:t>Fourth level</a:t>
             </a:r>
           </a:p>
           <a:p>
             <a:pPr lvl="4"/>
             <a:r>
-              <a:rPr lang="en-US" smtClean="0"/>
+              <a:rPr lang="en-US"/>
               <a:t>Fifth level</a:t>
             </a:r>
-            <a:endParaRPr lang="en-US"/>
           </a:p>
         </p:txBody>
       </p:sp>
@@ -1580,38 +1568,37 @@
           <a:p>
             <a:pPr lvl="0"/>
             <a:r>
-              <a:rPr lang="en-US" smtClean="0"/>
+              <a:rPr lang="en-US"/>
               <a:t>Click to edit Master text styles</a:t>
             </a:r>
           </a:p>
           <a:p>
             <a:pPr lvl="1"/>
             <a:r>
-              <a:rPr lang="en-US" smtClean="0"/>
+              <a:rPr lang="en-US"/>
               <a:t>Second level</a:t>
             </a:r>
           </a:p>
           <a:p>
             <a:pPr lvl="2"/>
             <a:r>
-              <a:rPr lang="en-US" smtClean="0"/>
+              <a:rPr lang="en-US"/>
               <a:t>Third level</a:t>
             </a:r>
           </a:p>
           <a:p>
             <a:pPr lvl="3"/>
             <a:r>
-              <a:rPr lang="en-US" smtClean="0"/>
+              <a:rPr lang="en-US"/>
               <a:t>Fourth level</a:t>
             </a:r>
           </a:p>
           <a:p>
             <a:pPr lvl="4"/>
             <a:r>
-              <a:rPr lang="en-US" smtClean="0"/>
+              <a:rPr lang="en-US"/>
               <a:t>Fifth level</a:t>
             </a:r>
-            <a:endParaRPr lang="en-US"/>
           </a:p>
         </p:txBody>
       </p:sp>
@@ -1632,7 +1619,7 @@
           <a:p>
             <a:fld id="{04F1D4A2-813C-F741-B481-C92B3A596030}" type="datetimeFigureOut">
               <a:rPr lang="en-US" smtClean="0"/>
-              <a:t>11-Jan-19</a:t>
+              <a:t>2/12/19</a:t>
             </a:fld>
             <a:endParaRPr lang="en-US"/>
           </a:p>
@@ -1731,10 +1718,9 @@
           <a:lstStyle/>
           <a:p>
             <a:r>
-              <a:rPr lang="en-US" smtClean="0"/>
+              <a:rPr lang="en-US"/>
               <a:t>Click to edit Master title style</a:t>
             </a:r>
-            <a:endParaRPr lang="en-US"/>
           </a:p>
         </p:txBody>
       </p:sp>
@@ -1797,7 +1783,7 @@
           <a:p>
             <a:pPr lvl="0"/>
             <a:r>
-              <a:rPr lang="en-US" smtClean="0"/>
+              <a:rPr lang="en-US"/>
               <a:t>Click to edit Master text styles</a:t>
             </a:r>
           </a:p>
@@ -1825,38 +1811,37 @@
           <a:p>
             <a:pPr lvl="0"/>
             <a:r>
-              <a:rPr lang="en-US" smtClean="0"/>
+              <a:rPr lang="en-US"/>
               <a:t>Click to edit Master text styles</a:t>
             </a:r>
           </a:p>
           <a:p>
             <a:pPr lvl="1"/>
             <a:r>
-              <a:rPr lang="en-US" smtClean="0"/>
+              <a:rPr lang="en-US"/>
               <a:t>Second level</a:t>
             </a:r>
           </a:p>
           <a:p>
             <a:pPr lvl="2"/>
             <a:r>
-              <a:rPr lang="en-US" smtClean="0"/>
+              <a:rPr lang="en-US"/>
               <a:t>Third level</a:t>
             </a:r>
           </a:p>
           <a:p>
             <a:pPr lvl="3"/>
             <a:r>
-              <a:rPr lang="en-US" smtClean="0"/>
+              <a:rPr lang="en-US"/>
               <a:t>Fourth level</a:t>
             </a:r>
           </a:p>
           <a:p>
             <a:pPr lvl="4"/>
             <a:r>
-              <a:rPr lang="en-US" smtClean="0"/>
+              <a:rPr lang="en-US"/>
               <a:t>Fifth level</a:t>
             </a:r>
-            <a:endParaRPr lang="en-US"/>
           </a:p>
         </p:txBody>
       </p:sp>
@@ -1919,7 +1904,7 @@
           <a:p>
             <a:pPr lvl="0"/>
             <a:r>
-              <a:rPr lang="en-US" smtClean="0"/>
+              <a:rPr lang="en-US"/>
               <a:t>Click to edit Master text styles</a:t>
             </a:r>
           </a:p>
@@ -1947,38 +1932,37 @@
           <a:p>
             <a:pPr lvl="0"/>
             <a:r>
-              <a:rPr lang="en-US" smtClean="0"/>
+              <a:rPr lang="en-US"/>
               <a:t>Click to edit Master text styles</a:t>
             </a:r>
           </a:p>
           <a:p>
             <a:pPr lvl="1"/>
             <a:r>
-              <a:rPr lang="en-US" smtClean="0"/>
+              <a:rPr lang="en-US"/>
               <a:t>Second level</a:t>
             </a:r>
           </a:p>
           <a:p>
             <a:pPr lvl="2"/>
             <a:r>
-              <a:rPr lang="en-US" smtClean="0"/>
+              <a:rPr lang="en-US"/>
               <a:t>Third level</a:t>
             </a:r>
           </a:p>
           <a:p>
             <a:pPr lvl="3"/>
             <a:r>
-              <a:rPr lang="en-US" smtClean="0"/>
+              <a:rPr lang="en-US"/>
               <a:t>Fourth level</a:t>
             </a:r>
           </a:p>
           <a:p>
             <a:pPr lvl="4"/>
             <a:r>
-              <a:rPr lang="en-US" smtClean="0"/>
+              <a:rPr lang="en-US"/>
               <a:t>Fifth level</a:t>
             </a:r>
-            <a:endParaRPr lang="en-US"/>
           </a:p>
         </p:txBody>
       </p:sp>
@@ -1999,7 +1983,7 @@
           <a:p>
             <a:fld id="{04F1D4A2-813C-F741-B481-C92B3A596030}" type="datetimeFigureOut">
               <a:rPr lang="en-US" smtClean="0"/>
-              <a:t>11-Jan-19</a:t>
+              <a:t>2/12/19</a:t>
             </a:fld>
             <a:endParaRPr lang="en-US"/>
           </a:p>
@@ -2093,10 +2077,9 @@
           <a:lstStyle/>
           <a:p>
             <a:r>
-              <a:rPr lang="en-US" smtClean="0"/>
+              <a:rPr lang="en-US"/>
               <a:t>Click to edit Master title style</a:t>
             </a:r>
-            <a:endParaRPr lang="en-US"/>
           </a:p>
         </p:txBody>
       </p:sp>
@@ -2117,7 +2100,7 @@
           <a:p>
             <a:fld id="{04F1D4A2-813C-F741-B481-C92B3A596030}" type="datetimeFigureOut">
               <a:rPr lang="en-US" smtClean="0"/>
-              <a:t>11-Jan-19</a:t>
+              <a:t>2/12/19</a:t>
             </a:fld>
             <a:endParaRPr lang="en-US"/>
           </a:p>
@@ -2212,7 +2195,7 @@
           <a:p>
             <a:fld id="{04F1D4A2-813C-F741-B481-C92B3A596030}" type="datetimeFigureOut">
               <a:rPr lang="en-US" smtClean="0"/>
-              <a:t>11-Jan-19</a:t>
+              <a:t>2/12/19</a:t>
             </a:fld>
             <a:endParaRPr lang="en-US"/>
           </a:p>
@@ -2315,10 +2298,9 @@
           </a:lstStyle>
           <a:p>
             <a:r>
-              <a:rPr lang="en-US" smtClean="0"/>
+              <a:rPr lang="en-US"/>
               <a:t>Click to edit Master title style</a:t>
             </a:r>
-            <a:endParaRPr lang="en-US"/>
           </a:p>
         </p:txBody>
       </p:sp>
@@ -2372,38 +2354,37 @@
           <a:p>
             <a:pPr lvl="0"/>
             <a:r>
-              <a:rPr lang="en-US" smtClean="0"/>
+              <a:rPr lang="en-US"/>
               <a:t>Click to edit Master text styles</a:t>
             </a:r>
           </a:p>
           <a:p>
             <a:pPr lvl="1"/>
             <a:r>
-              <a:rPr lang="en-US" smtClean="0"/>
+              <a:rPr lang="en-US"/>
               <a:t>Second level</a:t>
             </a:r>
           </a:p>
           <a:p>
             <a:pPr lvl="2"/>
             <a:r>
-              <a:rPr lang="en-US" smtClean="0"/>
+              <a:rPr lang="en-US"/>
               <a:t>Third level</a:t>
             </a:r>
           </a:p>
           <a:p>
             <a:pPr lvl="3"/>
             <a:r>
-              <a:rPr lang="en-US" smtClean="0"/>
+              <a:rPr lang="en-US"/>
               <a:t>Fourth level</a:t>
             </a:r>
           </a:p>
           <a:p>
             <a:pPr lvl="4"/>
             <a:r>
-              <a:rPr lang="en-US" smtClean="0"/>
+              <a:rPr lang="en-US"/>
               <a:t>Fifth level</a:t>
             </a:r>
-            <a:endParaRPr lang="en-US"/>
           </a:p>
         </p:txBody>
       </p:sp>
@@ -2466,7 +2447,7 @@
           <a:p>
             <a:pPr lvl="0"/>
             <a:r>
-              <a:rPr lang="en-US" smtClean="0"/>
+              <a:rPr lang="en-US"/>
               <a:t>Click to edit Master text styles</a:t>
             </a:r>
           </a:p>
@@ -2489,7 +2470,7 @@
           <a:p>
             <a:fld id="{04F1D4A2-813C-F741-B481-C92B3A596030}" type="datetimeFigureOut">
               <a:rPr lang="en-US" smtClean="0"/>
-              <a:t>11-Jan-19</a:t>
+              <a:t>2/12/19</a:t>
             </a:fld>
             <a:endParaRPr lang="en-US"/>
           </a:p>
@@ -2592,10 +2573,9 @@
           </a:lstStyle>
           <a:p>
             <a:r>
-              <a:rPr lang="en-US" smtClean="0"/>
+              <a:rPr lang="en-US"/>
               <a:t>Click to edit Master title style</a:t>
             </a:r>
-            <a:endParaRPr lang="en-US"/>
           </a:p>
         </p:txBody>
       </p:sp>
@@ -2719,7 +2699,7 @@
           <a:p>
             <a:pPr lvl="0"/>
             <a:r>
-              <a:rPr lang="en-US" smtClean="0"/>
+              <a:rPr lang="en-US"/>
               <a:t>Click to edit Master text styles</a:t>
             </a:r>
           </a:p>
@@ -2742,7 +2722,7 @@
           <a:p>
             <a:fld id="{04F1D4A2-813C-F741-B481-C92B3A596030}" type="datetimeFigureOut">
               <a:rPr lang="en-US" smtClean="0"/>
-              <a:t>11-Jan-19</a:t>
+              <a:t>2/12/19</a:t>
             </a:fld>
             <a:endParaRPr lang="en-US"/>
           </a:p>
@@ -2851,10 +2831,9 @@
           <a:lstStyle/>
           <a:p>
             <a:r>
-              <a:rPr lang="en-US" dirty="0" smtClean="0"/>
+              <a:rPr lang="en-US" dirty="0"/>
               <a:t>Click to edit Master title style</a:t>
             </a:r>
-            <a:endParaRPr lang="en-US" dirty="0"/>
           </a:p>
         </p:txBody>
       </p:sp>
@@ -2885,38 +2864,37 @@
           <a:p>
             <a:pPr lvl="0"/>
             <a:r>
-              <a:rPr lang="en-US" smtClean="0"/>
+              <a:rPr lang="en-US"/>
               <a:t>Click to edit Master text styles</a:t>
             </a:r>
           </a:p>
           <a:p>
             <a:pPr lvl="1"/>
             <a:r>
-              <a:rPr lang="en-US" smtClean="0"/>
+              <a:rPr lang="en-US"/>
               <a:t>Second level</a:t>
             </a:r>
           </a:p>
           <a:p>
             <a:pPr lvl="2"/>
             <a:r>
-              <a:rPr lang="en-US" smtClean="0"/>
+              <a:rPr lang="en-US"/>
               <a:t>Third level</a:t>
             </a:r>
           </a:p>
           <a:p>
             <a:pPr lvl="3"/>
             <a:r>
-              <a:rPr lang="en-US" smtClean="0"/>
+              <a:rPr lang="en-US"/>
               <a:t>Fourth level</a:t>
             </a:r>
           </a:p>
           <a:p>
             <a:pPr lvl="4"/>
             <a:r>
-              <a:rPr lang="en-US" smtClean="0"/>
+              <a:rPr lang="en-US"/>
               <a:t>Fifth level</a:t>
             </a:r>
-            <a:endParaRPr lang="en-US"/>
           </a:p>
         </p:txBody>
       </p:sp>
@@ -2955,7 +2933,7 @@
           <a:p>
             <a:fld id="{04F1D4A2-813C-F741-B481-C92B3A596030}" type="datetimeFigureOut">
               <a:rPr lang="en-US" smtClean="0"/>
-              <a:t>11-Jan-19</a:t>
+              <a:t>2/12/19</a:t>
             </a:fld>
             <a:endParaRPr lang="en-US"/>
           </a:p>
@@ -3384,36 +3362,19 @@
           <a:p>
             <a:pPr algn="l"/>
             <a:r>
-              <a:rPr lang="en-US" sz="6600" dirty="0" smtClean="0"/>
+              <a:rPr lang="en-US" sz="6600" dirty="0"/>
               <a:t>Web Development and API Design</a:t>
             </a:r>
             <a:br>
-              <a:rPr lang="en-US" sz="6600" dirty="0" smtClean="0"/>
+              <a:rPr lang="en-US" sz="6600" dirty="0"/>
             </a:br>
-            <a:r>
-              <a:rPr lang="en-US" sz="6600" dirty="0" smtClean="0"/>
-              <a:t/>
-            </a:r>
             <a:br>
-              <a:rPr lang="en-US" sz="6600" dirty="0" smtClean="0"/>
+              <a:rPr lang="en-US" sz="6600" dirty="0"/>
             </a:br>
             <a:r>
-              <a:rPr lang="en-US" sz="6600" dirty="0" smtClean="0"/>
-              <a:t>Lesson </a:t>
-            </a:r>
-            <a:r>
-              <a:rPr lang="en-US" sz="6600" dirty="0" smtClean="0"/>
-              <a:t>05: </a:t>
-            </a:r>
-            <a:r>
               <a:rPr lang="en-US" sz="6600" dirty="0"/>
-              <a:t>SPA </a:t>
-            </a:r>
-            <a:r>
-              <a:rPr lang="en-US" sz="6600" dirty="0" smtClean="0"/>
-              <a:t>Routing</a:t>
-            </a:r>
-            <a:endParaRPr lang="en-US" sz="6600" dirty="0"/>
+              <a:t>Lesson 05: SPA Routing</a:t>
+            </a:r>
           </a:p>
         </p:txBody>
       </p:sp>
@@ -3442,17 +3403,13 @@
             <a:pPr algn="r"/>
             <a:r>
               <a:rPr lang="en-US" dirty="0"/>
-              <a:t>P</a:t>
-            </a:r>
-            <a:r>
-              <a:rPr lang="en-US" dirty="0" smtClean="0"/>
-              <a:t>rof. Andrea </a:t>
-            </a:r>
-            <a:r>
-              <a:rPr lang="en-US" dirty="0" err="1" smtClean="0"/>
+              <a:t>Prof. Andrea </a:t>
+            </a:r>
+            <a:r>
+              <a:rPr lang="en-US" dirty="0" err="1"/>
               <a:t>Arcuri</a:t>
             </a:r>
-            <a:endParaRPr lang="en-US" dirty="0" smtClean="0"/>
+            <a:endParaRPr lang="en-US" dirty="0"/>
           </a:p>
         </p:txBody>
       </p:sp>
@@ -3509,10 +3466,9 @@
           <a:lstStyle/>
           <a:p>
             <a:r>
-              <a:rPr lang="en-US" dirty="0" smtClean="0"/>
+              <a:rPr lang="en-US" dirty="0"/>
               <a:t>Benefits of Server-Side Rendering</a:t>
             </a:r>
-            <a:endParaRPr lang="en-US" dirty="0"/>
           </a:p>
         </p:txBody>
       </p:sp>
@@ -3539,91 +3495,91 @@
           <a:lstStyle/>
           <a:p>
             <a:r>
-              <a:rPr lang="en-US" i="1" dirty="0" smtClean="0"/>
+              <a:rPr lang="en-US" i="1" dirty="0"/>
               <a:t>Can navigate the web application even without JS </a:t>
             </a:r>
           </a:p>
           <a:p>
             <a:pPr lvl="1"/>
             <a:r>
-              <a:rPr lang="en-US" dirty="0" err="1" smtClean="0"/>
+              <a:rPr lang="en-US" dirty="0" err="1"/>
               <a:t>eg</a:t>
             </a:r>
             <a:r>
-              <a:rPr lang="en-US" dirty="0" smtClean="0"/>
+              <a:rPr lang="en-US" dirty="0"/>
               <a:t>, </a:t>
             </a:r>
             <a:r>
-              <a:rPr lang="en-US" i="1" dirty="0" smtClean="0"/>
+              <a:rPr lang="en-US" i="1" dirty="0"/>
               <a:t>React-Router</a:t>
             </a:r>
             <a:r>
-              <a:rPr lang="en-US" dirty="0" smtClean="0"/>
+              <a:rPr lang="en-US" dirty="0"/>
               <a:t> will create SPA links using </a:t>
             </a:r>
             <a:r>
-              <a:rPr lang="en-US" b="1" dirty="0" smtClean="0"/>
+              <a:rPr lang="en-US" b="1" dirty="0"/>
               <a:t>&lt;a&gt;</a:t>
             </a:r>
             <a:r>
-              <a:rPr lang="en-US" dirty="0" smtClean="0"/>
+              <a:rPr lang="en-US" dirty="0"/>
               <a:t> tags with overridden JS handling for </a:t>
             </a:r>
             <a:r>
-              <a:rPr lang="en-US" i="1" dirty="0" err="1" smtClean="0"/>
+              <a:rPr lang="en-US" i="1" dirty="0" err="1"/>
               <a:t>onclick</a:t>
             </a:r>
             <a:r>
-              <a:rPr lang="en-US" dirty="0" smtClean="0"/>
+              <a:rPr lang="en-US" dirty="0"/>
               <a:t> events, but such special handling will not be executed without JS, and so defaulting on default </a:t>
             </a:r>
             <a:r>
-              <a:rPr lang="en-US" b="1" dirty="0" smtClean="0"/>
+              <a:rPr lang="en-US" b="1" dirty="0"/>
               <a:t>&lt;a&gt;</a:t>
             </a:r>
             <a:r>
-              <a:rPr lang="en-US" dirty="0" smtClean="0"/>
+              <a:rPr lang="en-US" dirty="0"/>
               <a:t> behavior of making a HTTP GET request</a:t>
             </a:r>
           </a:p>
           <a:p>
             <a:r>
-              <a:rPr lang="en-US" dirty="0" smtClean="0"/>
+              <a:rPr lang="en-US" dirty="0"/>
               <a:t>Why should you care?</a:t>
             </a:r>
           </a:p>
           <a:p>
             <a:r>
-              <a:rPr lang="en-US" b="1" dirty="0" smtClean="0"/>
+              <a:rPr lang="en-US" b="1" dirty="0"/>
               <a:t>Search Engine Optimization (SEO)</a:t>
             </a:r>
           </a:p>
           <a:p>
             <a:pPr lvl="1"/>
             <a:r>
-              <a:rPr lang="en-US" dirty="0" smtClean="0"/>
+              <a:rPr lang="en-US" dirty="0"/>
               <a:t>you want your web applications to appear in Google Search, Bing, etc.</a:t>
             </a:r>
           </a:p>
           <a:p>
             <a:pPr lvl="1"/>
             <a:r>
-              <a:rPr lang="en-US" dirty="0" smtClean="0"/>
+              <a:rPr lang="en-US" dirty="0"/>
               <a:t>not all crawlers execute JS, and, even if they do, they might be limited</a:t>
             </a:r>
           </a:p>
           <a:p>
             <a:pPr lvl="1"/>
             <a:r>
-              <a:rPr lang="en-US" dirty="0" smtClean="0"/>
+              <a:rPr lang="en-US" dirty="0"/>
               <a:t>you do not want crawlers to just see empty </a:t>
             </a:r>
             <a:r>
-              <a:rPr lang="en-US" i="1" dirty="0" smtClean="0"/>
+              <a:rPr lang="en-US" i="1" dirty="0"/>
               <a:t>index.html</a:t>
             </a:r>
             <a:r>
-              <a:rPr lang="en-US" dirty="0" smtClean="0"/>
+              <a:rPr lang="en-US" dirty="0"/>
               <a:t> files for your whole app</a:t>
             </a:r>
           </a:p>
@@ -3679,10 +3635,9 @@
           <a:lstStyle/>
           <a:p>
             <a:r>
-              <a:rPr lang="en-US" dirty="0" smtClean="0"/>
+              <a:rPr lang="en-US" dirty="0"/>
               <a:t>Goals</a:t>
             </a:r>
-            <a:endParaRPr lang="en-US" dirty="0"/>
           </a:p>
         </p:txBody>
       </p:sp>
@@ -3707,42 +3662,38 @@
           <a:lstStyle/>
           <a:p>
             <a:r>
-              <a:rPr lang="en-US" dirty="0" smtClean="0"/>
+              <a:rPr lang="en-US" dirty="0"/>
               <a:t>Understand how routing between pages is done in a SPA</a:t>
             </a:r>
           </a:p>
           <a:p>
             <a:r>
-              <a:rPr lang="en-US" dirty="0" smtClean="0"/>
+              <a:rPr lang="en-US" dirty="0"/>
               <a:t>Understand difference between </a:t>
             </a:r>
             <a:r>
-              <a:rPr lang="en-US" i="1" dirty="0" smtClean="0"/>
+              <a:rPr lang="en-US" i="1" dirty="0"/>
               <a:t>client-side</a:t>
             </a:r>
             <a:r>
-              <a:rPr lang="en-US" dirty="0" smtClean="0"/>
+              <a:rPr lang="en-US" dirty="0"/>
               <a:t> and </a:t>
             </a:r>
             <a:r>
-              <a:rPr lang="en-US" i="1" dirty="0" smtClean="0"/>
+              <a:rPr lang="en-US" i="1" dirty="0"/>
               <a:t>server-side</a:t>
             </a:r>
             <a:r>
-              <a:rPr lang="en-US" dirty="0" smtClean="0"/>
+              <a:rPr lang="en-US" dirty="0"/>
               <a:t> HTML rendering, and why you want to support </a:t>
             </a:r>
             <a:r>
-              <a:rPr lang="en-US" b="1" dirty="0" smtClean="0"/>
+              <a:rPr lang="en-US" b="1" dirty="0"/>
               <a:t>both</a:t>
             </a:r>
             <a:r>
-              <a:rPr lang="en-US" dirty="0" smtClean="0"/>
-              <a:t> in a SPA</a:t>
-            </a:r>
-            <a:r>
-              <a:rPr lang="en-US" dirty="0" smtClean="0"/>
-              <a:t> </a:t>
+              <a:rPr lang="en-US" dirty="0"/>
+              <a:t> in a SPA </a:t>
             </a:r>
             <a:endParaRPr lang="en-US" i="1" dirty="0"/>
           </a:p>
@@ -3794,10 +3745,9 @@
           <a:lstStyle/>
           <a:p>
             <a:r>
-              <a:rPr lang="en-US" dirty="0" smtClean="0"/>
+              <a:rPr lang="en-US" dirty="0"/>
               <a:t>Single-Page-Application (SPA)</a:t>
             </a:r>
-            <a:endParaRPr lang="en-US" dirty="0"/>
           </a:p>
         </p:txBody>
       </p:sp>
@@ -3822,57 +3772,56 @@
           <a:lstStyle/>
           <a:p>
             <a:r>
-              <a:rPr lang="en-US" dirty="0" smtClean="0"/>
+              <a:rPr lang="en-US" dirty="0"/>
               <a:t>As the name suggests, there is only one single HTML page</a:t>
             </a:r>
           </a:p>
           <a:p>
             <a:r>
-              <a:rPr lang="en-US" dirty="0" smtClean="0"/>
+              <a:rPr lang="en-US" dirty="0"/>
               <a:t>All changes are made via JS and DOM manipulation</a:t>
             </a:r>
           </a:p>
           <a:p>
             <a:r>
-              <a:rPr lang="en-US" dirty="0" smtClean="0"/>
+              <a:rPr lang="en-US" dirty="0"/>
               <a:t>Browsing from one page to another one just means changing current DOM via JS</a:t>
             </a:r>
           </a:p>
           <a:p>
             <a:r>
-              <a:rPr lang="en-US" dirty="0" smtClean="0"/>
+              <a:rPr lang="en-US" dirty="0"/>
               <a:t>We give the user an </a:t>
             </a:r>
             <a:r>
-              <a:rPr lang="en-US" i="1" dirty="0" smtClean="0"/>
+              <a:rPr lang="en-US" i="1" dirty="0"/>
               <a:t>illusion</a:t>
             </a:r>
             <a:r>
-              <a:rPr lang="en-US" dirty="0" smtClean="0"/>
+              <a:rPr lang="en-US" dirty="0"/>
               <a:t> of changing pages</a:t>
             </a:r>
           </a:p>
           <a:p>
             <a:pPr lvl="1"/>
             <a:r>
-              <a:rPr lang="en-US" dirty="0" smtClean="0"/>
+              <a:rPr lang="en-US" dirty="0"/>
               <a:t>possibly, with no new HTTP request to the server, which would happen when following </a:t>
             </a:r>
             <a:r>
-              <a:rPr lang="en-US" b="1" dirty="0" smtClean="0"/>
+              <a:rPr lang="en-US" b="1" dirty="0"/>
               <a:t>&lt;a&gt;</a:t>
             </a:r>
             <a:r>
-              <a:rPr lang="en-US" dirty="0" smtClean="0"/>
+              <a:rPr lang="en-US" dirty="0"/>
               <a:t> links </a:t>
             </a:r>
           </a:p>
           <a:p>
             <a:r>
-              <a:rPr lang="en-US" dirty="0" smtClean="0"/>
+              <a:rPr lang="en-US" dirty="0"/>
               <a:t>We even change the URL in the browser address bar, without triggering an HTTP request</a:t>
             </a:r>
-            <a:endParaRPr lang="en-US" dirty="0"/>
           </a:p>
         </p:txBody>
       </p:sp>
@@ -3922,10 +3871,9 @@
           <a:lstStyle/>
           <a:p>
             <a:r>
-              <a:rPr lang="en-US" dirty="0" smtClean="0"/>
+              <a:rPr lang="en-US" dirty="0"/>
               <a:t>React-Router</a:t>
             </a:r>
-            <a:endParaRPr lang="en-US" dirty="0"/>
           </a:p>
         </p:txBody>
       </p:sp>
@@ -3950,37 +3898,36 @@
           <a:lstStyle/>
           <a:p>
             <a:r>
-              <a:rPr lang="en-US" dirty="0" smtClean="0"/>
+              <a:rPr lang="en-US" dirty="0"/>
               <a:t>Library to support SPA in React</a:t>
             </a:r>
           </a:p>
           <a:p>
             <a:pPr lvl="1"/>
             <a:r>
-              <a:rPr lang="en-US" dirty="0" smtClean="0"/>
+              <a:rPr lang="en-US" dirty="0"/>
               <a:t>Note: it is not made by Facebook… React is just a HTML rendering library, with no base support for routing</a:t>
             </a:r>
           </a:p>
           <a:p>
             <a:r>
-              <a:rPr lang="en-US" dirty="0" smtClean="0"/>
+              <a:rPr lang="en-US" dirty="0"/>
               <a:t>Technically, one single “</a:t>
             </a:r>
             <a:r>
-              <a:rPr lang="en-US" i="1" dirty="0" err="1" smtClean="0"/>
-              <a:t>index.jsx</a:t>
-            </a:r>
-            <a:r>
-              <a:rPr lang="en-US" dirty="0" smtClean="0"/>
+              <a:rPr lang="en-US" i="1" dirty="0" err="1"/>
+              <a:t>index.html</a:t>
+            </a:r>
+            <a:r>
+              <a:rPr lang="en-US" dirty="0"/>
               <a:t>”, with all components for all web pages there</a:t>
             </a:r>
           </a:p>
           <a:p>
             <a:r>
-              <a:rPr lang="en-US" dirty="0" smtClean="0"/>
+              <a:rPr lang="en-US" dirty="0"/>
               <a:t>Which components will be displayed depends on the URL address bar</a:t>
             </a:r>
-            <a:endParaRPr lang="en-US" dirty="0"/>
           </a:p>
         </p:txBody>
       </p:sp>
@@ -4035,12 +3982,8 @@
           <a:lstStyle/>
           <a:p>
             <a:r>
-              <a:rPr lang="en-US" dirty="0" smtClean="0"/>
-              <a:t>Cont</a:t>
-            </a:r>
-            <a:r>
-              <a:rPr lang="en-US" dirty="0"/>
-              <a:t>.</a:t>
+              <a:rPr lang="en-US" dirty="0"/>
+              <a:t>Cont.</a:t>
             </a:r>
           </a:p>
         </p:txBody>
@@ -4066,81 +4009,80 @@
           <a:lstStyle/>
           <a:p>
             <a:r>
-              <a:rPr lang="en-US" dirty="0" smtClean="0"/>
+              <a:rPr lang="en-US" dirty="0"/>
               <a:t>Example, single “</a:t>
             </a:r>
             <a:r>
-              <a:rPr lang="en-US" i="1" dirty="0" err="1" smtClean="0"/>
-              <a:t>index.jsx</a:t>
-            </a:r>
-            <a:r>
-              <a:rPr lang="en-US" dirty="0" smtClean="0"/>
+              <a:rPr lang="en-US" i="1" dirty="0" err="1"/>
+              <a:t>index.html</a:t>
+            </a:r>
+            <a:r>
+              <a:rPr lang="en-US" dirty="0"/>
               <a:t>” for 3 web pages</a:t>
             </a:r>
           </a:p>
           <a:p>
             <a:r>
-              <a:rPr lang="en-US" dirty="0" smtClean="0"/>
+              <a:rPr lang="en-US" dirty="0"/>
               <a:t>If URL has “</a:t>
             </a:r>
             <a:r>
-              <a:rPr lang="en-US" i="1" dirty="0" smtClean="0"/>
+              <a:rPr lang="en-US" i="1" dirty="0"/>
               <a:t>/foo</a:t>
             </a:r>
             <a:r>
-              <a:rPr lang="en-US" dirty="0" smtClean="0"/>
+              <a:rPr lang="en-US" dirty="0"/>
               <a:t>”, then display the first page, and use JS to </a:t>
             </a:r>
             <a:r>
-              <a:rPr lang="en-US" i="1" dirty="0" smtClean="0"/>
+              <a:rPr lang="en-US" i="1" dirty="0"/>
               <a:t>hide</a:t>
             </a:r>
             <a:r>
-              <a:rPr lang="en-US" dirty="0" smtClean="0"/>
+              <a:rPr lang="en-US" dirty="0"/>
               <a:t> the others (</a:t>
             </a:r>
             <a:r>
-              <a:rPr lang="en-US" dirty="0" err="1" smtClean="0"/>
+              <a:rPr lang="en-US" dirty="0" err="1"/>
               <a:t>ie</a:t>
             </a:r>
             <a:r>
-              <a:rPr lang="en-US" dirty="0" smtClean="0"/>
+              <a:rPr lang="en-US" dirty="0"/>
               <a:t>, do not generate HTML for them)</a:t>
             </a:r>
           </a:p>
           <a:p>
             <a:pPr lvl="1"/>
             <a:r>
-              <a:rPr lang="en-US" dirty="0" err="1" smtClean="0"/>
+              <a:rPr lang="en-US" dirty="0" err="1"/>
               <a:t>eg</a:t>
             </a:r>
             <a:r>
-              <a:rPr lang="en-US" dirty="0" smtClean="0"/>
+              <a:rPr lang="en-US" dirty="0"/>
               <a:t>, </a:t>
             </a:r>
             <a:r>
-              <a:rPr lang="en-US" b="1" dirty="0" smtClean="0"/>
+              <a:rPr lang="en-US" b="1" dirty="0"/>
               <a:t>localhost:8080/foo</a:t>
             </a:r>
           </a:p>
           <a:p>
             <a:r>
-              <a:rPr lang="en-US" i="1" dirty="0" smtClean="0"/>
+              <a:rPr lang="en-US" i="1" dirty="0"/>
               <a:t>Navigation</a:t>
             </a:r>
             <a:r>
-              <a:rPr lang="en-US" dirty="0" smtClean="0"/>
+              <a:rPr lang="en-US" dirty="0"/>
               <a:t>: change the URL address bar content, and re-render the “</a:t>
             </a:r>
             <a:r>
-              <a:rPr lang="en-US" i="1" dirty="0" err="1" smtClean="0"/>
-              <a:t>index.jsx</a:t>
-            </a:r>
-            <a:r>
-              <a:rPr lang="en-US" dirty="0" smtClean="0"/>
+              <a:rPr lang="en-US" i="1" dirty="0" err="1"/>
+              <a:t>index.html</a:t>
+            </a:r>
+            <a:r>
+              <a:rPr lang="en-US" dirty="0"/>
               <a:t>” page</a:t>
             </a:r>
-            <a:endParaRPr lang="en-US" dirty="0"/>
           </a:p>
         </p:txBody>
       </p:sp>
@@ -4167,60 +4109,14 @@
           <a:lstStyle/>
           <a:p>
             <a:r>
-              <a:rPr lang="en-US" sz="3200" dirty="0" smtClean="0"/>
+              <a:rPr lang="en-US" sz="3200" dirty="0"/>
               <a:t>&lt;div&gt;</a:t>
             </a:r>
           </a:p>
           <a:p>
             <a:r>
               <a:rPr lang="en-US" sz="3200" dirty="0"/>
-              <a:t> </a:t>
-            </a:r>
-            <a:r>
-              <a:rPr lang="en-US" sz="3200" dirty="0" smtClean="0"/>
-              <a:t>   &lt;div&gt;</a:t>
-            </a:r>
-            <a:r>
-              <a:rPr lang="en-US" sz="3200" dirty="0" smtClean="0">
-                <a:solidFill>
-                  <a:schemeClr val="accent2"/>
-                </a:solidFill>
-              </a:rPr>
-              <a:t>/* Page for </a:t>
-            </a:r>
-            <a:r>
-              <a:rPr lang="en-US" sz="3200" b="1" dirty="0" smtClean="0">
-                <a:solidFill>
-                  <a:schemeClr val="accent2"/>
-                </a:solidFill>
-              </a:rPr>
-              <a:t>/foo</a:t>
-            </a:r>
-            <a:r>
-              <a:rPr lang="en-US" sz="3200" dirty="0" smtClean="0">
-                <a:solidFill>
-                  <a:schemeClr val="accent2"/>
-                </a:solidFill>
-              </a:rPr>
-              <a:t> */</a:t>
-            </a:r>
-            <a:r>
-              <a:rPr lang="en-US" sz="3200" dirty="0" smtClean="0"/>
-              <a:t>&lt;/div&gt;</a:t>
-            </a:r>
-          </a:p>
-          <a:p>
-            <a:r>
-              <a:rPr lang="en-US" sz="3200" dirty="0"/>
-              <a:t> </a:t>
-            </a:r>
-            <a:r>
-              <a:rPr lang="en-US" sz="3200" dirty="0" smtClean="0"/>
-              <a:t>   &lt;</a:t>
-            </a:r>
-            <a:r>
-              <a:rPr lang="en-US" sz="3200" dirty="0"/>
-              <a:t>div&gt;</a:t>
+              <a:t>    &lt;div&gt;</a:t>
             </a:r>
             <a:r>
               <a:rPr lang="en-US" sz="3200" dirty="0">
@@ -4231,20 +4127,12 @@
               <a:t>/* Page for </a:t>
             </a:r>
             <a:r>
-              <a:rPr lang="en-US" sz="3200" b="1" dirty="0" smtClean="0">
+              <a:rPr lang="en-US" sz="3200" b="1" dirty="0">
                 <a:solidFill>
                   <a:schemeClr val="accent2"/>
                 </a:solidFill>
               </a:rPr>
-              <a:t>/bar</a:t>
-            </a:r>
-            <a:r>
-              <a:rPr lang="en-US" sz="3200" dirty="0" smtClean="0">
-                <a:solidFill>
-                  <a:schemeClr val="accent2"/>
-                </a:solidFill>
-              </a:rPr>
-              <a:t> </a:t>
+              <a:t>/foo</a:t>
             </a:r>
             <a:r>
               <a:rPr lang="en-US" sz="3200" dirty="0">
@@ -4252,25 +4140,17 @@
                   <a:schemeClr val="accent2"/>
                 </a:solidFill>
               </a:rPr>
-              <a:t>*/</a:t>
+              <a:t> */</a:t>
             </a:r>
             <a:r>
               <a:rPr lang="en-US" sz="3200" dirty="0"/>
-              <a:t>&lt;/div</a:t>
-            </a:r>
-            <a:r>
-              <a:rPr lang="en-US" sz="3200" dirty="0" smtClean="0"/>
-              <a:t>&gt;</a:t>
-            </a:r>
-          </a:p>
-          <a:p>
-            <a:r>
-              <a:rPr lang="en-US" sz="3200" dirty="0" smtClean="0"/>
-              <a:t>    &lt;</a:t>
-            </a:r>
+              <a:t>&lt;/div&gt;</a:t>
+            </a:r>
+          </a:p>
+          <a:p>
             <a:r>
               <a:rPr lang="en-US" sz="3200" dirty="0"/>
-              <a:t>div&gt;</a:t>
+              <a:t>    &lt;div&gt;</a:t>
             </a:r>
             <a:r>
               <a:rPr lang="en-US" sz="3200" dirty="0">
@@ -4286,7 +4166,7 @@
                   <a:schemeClr val="accent2"/>
                 </a:solidFill>
               </a:rPr>
-              <a:t>/</a:t>
+              <a:t>/bar</a:t>
             </a:r>
             <a:r>
               <a:rPr lang="en-US" sz="3200" dirty="0">
@@ -4294,32 +4174,52 @@
                   <a:schemeClr val="accent2"/>
                 </a:solidFill>
               </a:rPr>
-              <a:t> </a:t>
-            </a:r>
-            <a:r>
-              <a:rPr lang="en-US" sz="3200" dirty="0" smtClean="0">
+              <a:t> */</a:t>
+            </a:r>
+            <a:r>
+              <a:rPr lang="en-US" sz="3200" dirty="0"/>
+              <a:t>&lt;/div&gt;</a:t>
+            </a:r>
+          </a:p>
+          <a:p>
+            <a:r>
+              <a:rPr lang="en-US" sz="3200" dirty="0"/>
+              <a:t>    &lt;div&gt;</a:t>
+            </a:r>
+            <a:r>
+              <a:rPr lang="en-US" sz="3200" dirty="0">
                 <a:solidFill>
                   <a:schemeClr val="accent2"/>
                 </a:solidFill>
               </a:rPr>
-              <a:t>      */</a:t>
-            </a:r>
-            <a:r>
-              <a:rPr lang="en-US" sz="3200" dirty="0" smtClean="0"/>
-              <a:t>&lt;/</a:t>
+              <a:t>/* Page for </a:t>
+            </a:r>
+            <a:r>
+              <a:rPr lang="en-US" sz="3200" b="1" dirty="0">
+                <a:solidFill>
+                  <a:schemeClr val="accent2"/>
+                </a:solidFill>
+              </a:rPr>
+              <a:t>/</a:t>
+            </a:r>
+            <a:r>
+              <a:rPr lang="en-US" sz="3200" dirty="0">
+                <a:solidFill>
+                  <a:schemeClr val="accent2"/>
+                </a:solidFill>
+              </a:rPr>
+              <a:t>       */</a:t>
             </a:r>
             <a:r>
               <a:rPr lang="en-US" sz="3200" dirty="0"/>
-              <a:t>div&gt;</a:t>
-            </a:r>
-            <a:endParaRPr lang="en-US" sz="3200" dirty="0" smtClean="0"/>
-          </a:p>
-          <a:p>
-            <a:r>
-              <a:rPr lang="en-US" sz="3200" dirty="0" smtClean="0"/>
               <a:t>&lt;/div&gt;</a:t>
             </a:r>
-            <a:endParaRPr lang="en-US" sz="3200" dirty="0"/>
+          </a:p>
+          <a:p>
+            <a:r>
+              <a:rPr lang="en-US" sz="3200" dirty="0"/>
+              <a:t>&lt;/div&gt;</a:t>
+            </a:r>
           </a:p>
         </p:txBody>
       </p:sp>
@@ -4369,10 +4269,9 @@
           <a:lstStyle/>
           <a:p>
             <a:r>
-              <a:rPr lang="en-US" dirty="0" smtClean="0"/>
+              <a:rPr lang="en-US" dirty="0"/>
               <a:t>Navigation Example</a:t>
             </a:r>
-            <a:endParaRPr lang="en-US" dirty="0"/>
           </a:p>
         </p:txBody>
       </p:sp>
@@ -4399,84 +4298,84 @@
           <a:lstStyle/>
           <a:p>
             <a:r>
-              <a:rPr lang="en-US" dirty="0" smtClean="0"/>
+              <a:rPr lang="en-US" dirty="0"/>
               <a:t>With browser you open </a:t>
             </a:r>
             <a:r>
-              <a:rPr lang="en-US" b="1" dirty="0" smtClean="0"/>
+              <a:rPr lang="en-US" b="1" dirty="0"/>
               <a:t>localhost:8080</a:t>
             </a:r>
           </a:p>
           <a:p>
             <a:r>
-              <a:rPr lang="en-US" dirty="0" smtClean="0"/>
+              <a:rPr lang="en-US" dirty="0"/>
               <a:t>Browser will download </a:t>
             </a:r>
             <a:r>
-              <a:rPr lang="en-US" i="1" dirty="0" smtClean="0"/>
+              <a:rPr lang="en-US" i="1" dirty="0"/>
               <a:t>index.html</a:t>
             </a:r>
             <a:r>
-              <a:rPr lang="en-US" dirty="0" smtClean="0"/>
+              <a:rPr lang="en-US" dirty="0"/>
               <a:t> and all static assets referenced from it (</a:t>
             </a:r>
             <a:r>
-              <a:rPr lang="en-US" dirty="0" err="1" smtClean="0"/>
+              <a:rPr lang="en-US" dirty="0" err="1"/>
               <a:t>eg</a:t>
             </a:r>
             <a:r>
-              <a:rPr lang="en-US" dirty="0" smtClean="0"/>
+              <a:rPr lang="en-US" dirty="0"/>
               <a:t> </a:t>
             </a:r>
             <a:r>
-              <a:rPr lang="en-US" i="1" dirty="0" smtClean="0"/>
+              <a:rPr lang="en-US" i="1" dirty="0"/>
               <a:t>bundle.js</a:t>
             </a:r>
             <a:r>
-              <a:rPr lang="en-US" dirty="0" smtClean="0"/>
+              <a:rPr lang="en-US" dirty="0"/>
               <a:t> and CSS style files)</a:t>
             </a:r>
           </a:p>
           <a:p>
             <a:r>
-              <a:rPr lang="en-US" dirty="0" smtClean="0"/>
+              <a:rPr lang="en-US" dirty="0"/>
               <a:t>Default path is the root “</a:t>
             </a:r>
             <a:r>
-              <a:rPr lang="en-US" b="1" dirty="0" smtClean="0"/>
+              <a:rPr lang="en-US" b="1" dirty="0"/>
               <a:t>/</a:t>
             </a:r>
             <a:r>
-              <a:rPr lang="en-US" dirty="0" smtClean="0"/>
+              <a:rPr lang="en-US" dirty="0"/>
               <a:t>”</a:t>
             </a:r>
           </a:p>
           <a:p>
             <a:pPr lvl="1"/>
             <a:r>
-              <a:rPr lang="en-US" dirty="0" smtClean="0"/>
+              <a:rPr lang="en-US" dirty="0"/>
               <a:t>e.g., typing </a:t>
             </a:r>
             <a:r>
-              <a:rPr lang="en-US" b="1" dirty="0" smtClean="0"/>
+              <a:rPr lang="en-US" b="1" dirty="0"/>
               <a:t>localhost:8080</a:t>
             </a:r>
             <a:r>
-              <a:rPr lang="en-US" dirty="0" smtClean="0"/>
+              <a:rPr lang="en-US" dirty="0"/>
               <a:t> is equivalent to </a:t>
             </a:r>
             <a:r>
-              <a:rPr lang="en-US" b="1" dirty="0" smtClean="0"/>
-              <a:t>htpp://localhost:8080/</a:t>
-            </a:r>
-          </a:p>
-          <a:p>
-            <a:r>
-              <a:rPr lang="en-US" dirty="0" smtClean="0"/>
+              <a:rPr lang="en-US" b="1" dirty="0"/>
+              <a:t>http://localhost:8080/</a:t>
+            </a:r>
+          </a:p>
+          <a:p>
+            <a:r>
+              <a:rPr lang="en-US" dirty="0"/>
               <a:t>Clicking on a SPA link for “</a:t>
             </a:r>
             <a:r>
-              <a:rPr lang="en-US" b="1" dirty="0" smtClean="0"/>
+              <a:rPr lang="en-US" b="1" dirty="0"/>
               <a:t>/foo</a:t>
             </a:r>
             <a:r>
@@ -4485,31 +4384,26 @@
             </a:r>
             <a:r>
               <a:rPr lang="en-US" b="1" dirty="0"/>
-              <a:t>htpp://</a:t>
-            </a:r>
-            <a:r>
-              <a:rPr lang="en-US" b="1" dirty="0" smtClean="0"/>
-              <a:t>localhost:8080/foo</a:t>
-            </a:r>
-            <a:r>
-              <a:rPr lang="en-US" dirty="0" smtClean="0"/>
+              <a:t>http://localhost:8080/foo</a:t>
+            </a:r>
+            <a:r>
+              <a:rPr lang="en-US" dirty="0"/>
               <a:t> , </a:t>
             </a:r>
             <a:r>
-              <a:rPr lang="en-US" i="1" dirty="0" smtClean="0"/>
+              <a:rPr lang="en-US" i="1" dirty="0"/>
               <a:t>without</a:t>
             </a:r>
             <a:r>
-              <a:rPr lang="en-US" dirty="0" smtClean="0"/>
+              <a:rPr lang="en-US" dirty="0"/>
               <a:t> making a HTTP request to the server</a:t>
             </a:r>
           </a:p>
           <a:p>
             <a:r>
-              <a:rPr lang="en-US" dirty="0" smtClean="0"/>
+              <a:rPr lang="en-US" dirty="0"/>
               <a:t>React-Router detects the change in the address bar, and re-render the page</a:t>
             </a:r>
-            <a:endParaRPr lang="en-US" dirty="0"/>
           </a:p>
           <a:p>
             <a:endParaRPr lang="en-US" dirty="0"/>
@@ -4562,10 +4456,9 @@
           <a:lstStyle/>
           <a:p>
             <a:r>
-              <a:rPr lang="en-US" dirty="0" smtClean="0"/>
+              <a:rPr lang="en-US" dirty="0"/>
               <a:t>Issues</a:t>
             </a:r>
-            <a:endParaRPr lang="en-US" dirty="0"/>
           </a:p>
         </p:txBody>
       </p:sp>
@@ -4590,97 +4483,92 @@
           <a:lstStyle/>
           <a:p>
             <a:r>
-              <a:rPr lang="en-US" dirty="0" smtClean="0"/>
-              <a:t>What if </a:t>
-            </a:r>
-            <a:r>
-              <a:rPr lang="en-US" dirty="0"/>
-              <a:t>you bookmark  </a:t>
-            </a:r>
-            <a:r>
-              <a:rPr lang="en-US" b="1" dirty="0" smtClean="0"/>
+              <a:rPr lang="en-US" dirty="0"/>
+              <a:t>What if you bookmark  </a:t>
+            </a:r>
+            <a:r>
+              <a:rPr lang="en-US" b="1" dirty="0"/>
               <a:t>localhost:8080/foo</a:t>
             </a:r>
             <a:r>
-              <a:rPr lang="en-US" dirty="0" smtClean="0"/>
+              <a:rPr lang="en-US" dirty="0"/>
               <a:t> ?</a:t>
             </a:r>
           </a:p>
           <a:p>
             <a:r>
-              <a:rPr lang="en-US" dirty="0" smtClean="0"/>
+              <a:rPr lang="en-US" dirty="0"/>
               <a:t>Or what if you refresh the page in the browser?</a:t>
             </a:r>
           </a:p>
           <a:p>
             <a:r>
-              <a:rPr lang="en-US" dirty="0" smtClean="0"/>
+              <a:rPr lang="en-US" dirty="0"/>
               <a:t>In such cases, browser will make a </a:t>
             </a:r>
             <a:r>
-              <a:rPr lang="en-US" i="1" dirty="0" smtClean="0"/>
+              <a:rPr lang="en-US" i="1" dirty="0"/>
               <a:t>TCP</a:t>
             </a:r>
             <a:r>
-              <a:rPr lang="en-US" dirty="0" smtClean="0"/>
+              <a:rPr lang="en-US" dirty="0"/>
               <a:t> connection to </a:t>
             </a:r>
             <a:r>
-              <a:rPr lang="en-US" b="1" dirty="0" smtClean="0"/>
+              <a:rPr lang="en-US" b="1" dirty="0"/>
               <a:t>localhost:8080</a:t>
             </a:r>
             <a:r>
-              <a:rPr lang="en-US" dirty="0" smtClean="0"/>
+              <a:rPr lang="en-US" dirty="0"/>
               <a:t>, with a </a:t>
             </a:r>
             <a:r>
-              <a:rPr lang="en-US" i="1" dirty="0" smtClean="0"/>
+              <a:rPr lang="en-US" i="1" dirty="0"/>
               <a:t>HTTP GET</a:t>
             </a:r>
             <a:r>
-              <a:rPr lang="en-US" dirty="0" smtClean="0"/>
+              <a:rPr lang="en-US" dirty="0"/>
               <a:t> command to retrieve the resource </a:t>
             </a:r>
             <a:r>
-              <a:rPr lang="en-US" b="1" dirty="0" smtClean="0"/>
+              <a:rPr lang="en-US" b="1" dirty="0"/>
               <a:t>/foo</a:t>
             </a:r>
           </a:p>
           <a:p>
             <a:r>
-              <a:rPr lang="en-US" dirty="0" smtClean="0"/>
+              <a:rPr lang="en-US" dirty="0"/>
               <a:t>But the resource </a:t>
             </a:r>
             <a:r>
-              <a:rPr lang="en-US" b="1" dirty="0" smtClean="0"/>
+              <a:rPr lang="en-US" b="1" dirty="0"/>
               <a:t>/foo </a:t>
             </a:r>
             <a:r>
-              <a:rPr lang="en-US" dirty="0" smtClean="0"/>
+              <a:rPr lang="en-US" dirty="0"/>
               <a:t>does NOT exist, so you get a </a:t>
             </a:r>
             <a:r>
-              <a:rPr lang="en-US" b="1" dirty="0" smtClean="0"/>
+              <a:rPr lang="en-US" b="1" dirty="0"/>
               <a:t>404</a:t>
             </a:r>
             <a:r>
-              <a:rPr lang="en-US" dirty="0" smtClean="0"/>
+              <a:rPr lang="en-US" dirty="0"/>
               <a:t>…</a:t>
             </a:r>
           </a:p>
           <a:p>
             <a:pPr lvl="1"/>
             <a:r>
-              <a:rPr lang="en-US" dirty="0" smtClean="0"/>
+              <a:rPr lang="en-US" dirty="0"/>
               <a:t>recall, it is dynamically generated with JS</a:t>
             </a:r>
           </a:p>
           <a:p>
             <a:r>
-              <a:rPr lang="en-US" dirty="0" smtClean="0"/>
+              <a:rPr lang="en-US" dirty="0"/>
               <a:t>Two possible solutions for this problem</a:t>
             </a:r>
-            <a:endParaRPr lang="en-US" dirty="0"/>
           </a:p>
         </p:txBody>
       </p:sp>
@@ -4730,14 +4618,13 @@
           <a:lstStyle/>
           <a:p>
             <a:r>
-              <a:rPr lang="en-US" dirty="0" smtClean="0"/>
+              <a:rPr lang="en-US" dirty="0"/>
               <a:t>Solution 1: Return </a:t>
             </a:r>
             <a:r>
-              <a:rPr lang="en-US" i="1" dirty="0" smtClean="0"/>
+              <a:rPr lang="en-US" i="1" dirty="0"/>
               <a:t>index.html</a:t>
             </a:r>
-            <a:endParaRPr lang="en-US" i="1" dirty="0"/>
           </a:p>
         </p:txBody>
       </p:sp>
@@ -4764,50 +4651,49 @@
           <a:lstStyle/>
           <a:p>
             <a:r>
-              <a:rPr lang="en-US" dirty="0" smtClean="0"/>
+              <a:rPr lang="en-US" dirty="0"/>
               <a:t>Instruct the server to never return a 404</a:t>
             </a:r>
           </a:p>
           <a:p>
             <a:r>
-              <a:rPr lang="en-US" dirty="0" smtClean="0"/>
+              <a:rPr lang="en-US" dirty="0"/>
               <a:t>Each time a HTTP GET asks for something that does not exist, rather return the content of </a:t>
             </a:r>
             <a:r>
-              <a:rPr lang="en-US" i="1" dirty="0" smtClean="0"/>
+              <a:rPr lang="en-US" i="1" dirty="0"/>
               <a:t>index.html</a:t>
             </a:r>
           </a:p>
           <a:p>
             <a:r>
-              <a:rPr lang="en-US" i="1" dirty="0" smtClean="0"/>
+              <a:rPr lang="en-US" i="1" dirty="0"/>
               <a:t>React-Router</a:t>
             </a:r>
             <a:r>
-              <a:rPr lang="en-US" dirty="0" smtClean="0"/>
+              <a:rPr lang="en-US" dirty="0"/>
               <a:t> will render the page accordingly based on the URL (as downloading all static assets, including </a:t>
             </a:r>
             <a:r>
-              <a:rPr lang="en-US" i="1" dirty="0" smtClean="0"/>
+              <a:rPr lang="en-US" i="1" dirty="0"/>
               <a:t>bundle.js</a:t>
             </a:r>
             <a:r>
-              <a:rPr lang="en-US" dirty="0" smtClean="0"/>
+              <a:rPr lang="en-US" dirty="0"/>
               <a:t>)</a:t>
             </a:r>
           </a:p>
           <a:p>
             <a:r>
-              <a:rPr lang="en-US" dirty="0" smtClean="0"/>
+              <a:rPr lang="en-US" dirty="0"/>
               <a:t>If the URL points to something that is not recognized by the application, use JS to create a custom error message page</a:t>
             </a:r>
           </a:p>
           <a:p>
             <a:r>
-              <a:rPr lang="en-US" dirty="0" smtClean="0"/>
+              <a:rPr lang="en-US" dirty="0"/>
               <a:t>Note: this solution is very easy to implement, but it is not the best… however we will use it for the rest of the course</a:t>
             </a:r>
-            <a:endParaRPr lang="en-US" dirty="0"/>
           </a:p>
         </p:txBody>
       </p:sp>
@@ -4864,10 +4750,9 @@
           <a:lstStyle/>
           <a:p>
             <a:r>
-              <a:rPr lang="en-US" dirty="0" smtClean="0"/>
+              <a:rPr lang="en-US" dirty="0"/>
               <a:t>Solution 2: Server-Side Rendering</a:t>
             </a:r>
-            <a:endParaRPr lang="en-US" dirty="0"/>
           </a:p>
         </p:txBody>
       </p:sp>
@@ -4894,97 +4779,93 @@
           <a:lstStyle/>
           <a:p>
             <a:r>
-              <a:rPr lang="en-US" dirty="0" smtClean="0"/>
+              <a:rPr lang="en-US" dirty="0"/>
               <a:t>When server gets a HTTP request for a dynamic page, do create it on the server</a:t>
             </a:r>
           </a:p>
           <a:p>
             <a:pPr lvl="1"/>
             <a:r>
-              <a:rPr lang="en-US" dirty="0" smtClean="0"/>
+              <a:rPr lang="en-US" dirty="0"/>
               <a:t>this means running </a:t>
             </a:r>
             <a:r>
-              <a:rPr lang="en-US" i="1" dirty="0" smtClean="0"/>
+              <a:rPr lang="en-US" i="1" dirty="0"/>
               <a:t>React</a:t>
             </a:r>
             <a:r>
-              <a:rPr lang="en-US" dirty="0" smtClean="0"/>
+              <a:rPr lang="en-US" dirty="0"/>
               <a:t> on the server, and return the generated HTML as body payload of the HTTP response</a:t>
             </a:r>
           </a:p>
           <a:p>
             <a:r>
-              <a:rPr lang="en-US" dirty="0" smtClean="0"/>
+              <a:rPr lang="en-US" dirty="0"/>
               <a:t>Server needs to be able to run JS code</a:t>
             </a:r>
           </a:p>
           <a:p>
             <a:pPr lvl="1"/>
             <a:r>
-              <a:rPr lang="en-US" dirty="0" smtClean="0"/>
+              <a:rPr lang="en-US" dirty="0"/>
               <a:t>simple in </a:t>
             </a:r>
             <a:r>
-              <a:rPr lang="en-US" dirty="0" err="1" smtClean="0"/>
+              <a:rPr lang="en-US" dirty="0" err="1"/>
               <a:t>NodeJS</a:t>
             </a:r>
             <a:r>
-              <a:rPr lang="en-US" dirty="0" smtClean="0"/>
+              <a:rPr lang="en-US" dirty="0"/>
               <a:t>, but tricky (not impossible) if your server is in a different language, </a:t>
             </a:r>
             <a:r>
-              <a:rPr lang="en-US" dirty="0" err="1" smtClean="0"/>
+              <a:rPr lang="en-US" dirty="0" err="1"/>
               <a:t>eg</a:t>
             </a:r>
             <a:r>
-              <a:rPr lang="en-US" dirty="0" smtClean="0"/>
+              <a:rPr lang="en-US" dirty="0"/>
               <a:t> Java, C# or PHP</a:t>
             </a:r>
           </a:p>
           <a:p>
             <a:r>
-              <a:rPr lang="en-US" i="1" dirty="0" smtClean="0"/>
+              <a:rPr lang="en-US" i="1" dirty="0"/>
               <a:t>Issues</a:t>
             </a:r>
             <a:r>
-              <a:rPr lang="en-US" dirty="0" smtClean="0"/>
+              <a:rPr lang="en-US" dirty="0"/>
               <a:t>: far from trivial… as there are </a:t>
             </a:r>
             <a:r>
-              <a:rPr lang="en-US" b="1" dirty="0" smtClean="0"/>
+              <a:rPr lang="en-US" b="1" dirty="0"/>
               <a:t>a lot </a:t>
             </a:r>
             <a:r>
-              <a:rPr lang="en-US" dirty="0" smtClean="0"/>
+              <a:rPr lang="en-US" dirty="0"/>
               <a:t>of edge cases to consider </a:t>
             </a:r>
           </a:p>
           <a:p>
             <a:pPr lvl="1"/>
             <a:r>
-              <a:rPr lang="en-US" dirty="0" err="1" smtClean="0"/>
+              <a:rPr lang="en-US" dirty="0" err="1"/>
               <a:t>eg</a:t>
             </a:r>
             <a:r>
-              <a:rPr lang="en-US" dirty="0" smtClean="0"/>
+              <a:rPr lang="en-US" dirty="0"/>
               <a:t> frontend rendering depending on AJAX/</a:t>
             </a:r>
             <a:r>
-              <a:rPr lang="en-US" dirty="0" err="1" smtClean="0"/>
+              <a:rPr lang="en-US" dirty="0" err="1"/>
               <a:t>WebSockets</a:t>
             </a:r>
             <a:r>
-              <a:rPr lang="en-US" dirty="0" smtClean="0"/>
+              <a:rPr lang="en-US" dirty="0"/>
               <a:t>, and initialization of data-stores like </a:t>
             </a:r>
             <a:r>
               <a:rPr lang="en-US" i="1" dirty="0" err="1"/>
-              <a:t>R</a:t>
-            </a:r>
-            <a:r>
-              <a:rPr lang="en-US" i="1" dirty="0" err="1" smtClean="0"/>
-              <a:t>edux</a:t>
+              <a:t>Redux</a:t>
             </a:r>
             <a:endParaRPr lang="en-US" i="1" dirty="0"/>
           </a:p>
